--- a/doc/Presentation.pptx
+++ b/doc/Presentation.pptx
@@ -876,7 +876,7 @@
             <a:fld id="{B61BEF0D-F0BB-DE4B-95CE-6DB70DBA9567}" type="datetimeFigureOut">
               <a:rPr lang="en-US" dirty="0"/>
               <a:pPr/>
-              <a:t>12/2/2023</a:t>
+              <a:t>12/3/2023</a:t>
             </a:fld>
             <a:endParaRPr lang="en-US" dirty="0"/>
           </a:p>
@@ -1124,7 +1124,7 @@
             <a:fld id="{B61BEF0D-F0BB-DE4B-95CE-6DB70DBA9567}" type="datetimeFigureOut">
               <a:rPr lang="en-US" dirty="0"/>
               <a:pPr/>
-              <a:t>12/2/2023</a:t>
+              <a:t>12/3/2023</a:t>
             </a:fld>
             <a:endParaRPr lang="en-US" dirty="0"/>
           </a:p>
@@ -1435,7 +1435,7 @@
             <a:fld id="{B61BEF0D-F0BB-DE4B-95CE-6DB70DBA9567}" type="datetimeFigureOut">
               <a:rPr lang="en-US" dirty="0"/>
               <a:pPr/>
-              <a:t>12/2/2023</a:t>
+              <a:t>12/3/2023</a:t>
             </a:fld>
             <a:endParaRPr lang="en-US" dirty="0"/>
           </a:p>
@@ -1765,7 +1765,7 @@
             <a:fld id="{B61BEF0D-F0BB-DE4B-95CE-6DB70DBA9567}" type="datetimeFigureOut">
               <a:rPr lang="en-US" dirty="0"/>
               <a:pPr/>
-              <a:t>12/2/2023</a:t>
+              <a:t>12/3/2023</a:t>
             </a:fld>
             <a:endParaRPr lang="en-US" dirty="0"/>
           </a:p>
@@ -2076,7 +2076,7 @@
             <a:fld id="{B61BEF0D-F0BB-DE4B-95CE-6DB70DBA9567}" type="datetimeFigureOut">
               <a:rPr lang="en-US" dirty="0"/>
               <a:pPr/>
-              <a:t>12/2/2023</a:t>
+              <a:t>12/3/2023</a:t>
             </a:fld>
             <a:endParaRPr lang="en-US" dirty="0"/>
           </a:p>
@@ -2466,7 +2466,7 @@
             <a:fld id="{B61BEF0D-F0BB-DE4B-95CE-6DB70DBA9567}" type="datetimeFigureOut">
               <a:rPr lang="en-US" dirty="0"/>
               <a:pPr/>
-              <a:t>12/2/2023</a:t>
+              <a:t>12/3/2023</a:t>
             </a:fld>
             <a:endParaRPr lang="en-US" dirty="0"/>
           </a:p>
@@ -2632,7 +2632,7 @@
           <a:p>
             <a:fld id="{55C6B4A9-1611-4792-9094-5F34BCA07E0B}" type="datetimeFigureOut">
               <a:rPr lang="en-US" dirty="0"/>
-              <a:t>12/2/2023</a:t>
+              <a:t>12/3/2023</a:t>
             </a:fld>
             <a:endParaRPr lang="en-US" dirty="0"/>
           </a:p>
@@ -2808,7 +2808,7 @@
             <a:fld id="{B61BEF0D-F0BB-DE4B-95CE-6DB70DBA9567}" type="datetimeFigureOut">
               <a:rPr lang="en-US" dirty="0"/>
               <a:pPr/>
-              <a:t>12/2/2023</a:t>
+              <a:t>12/3/2023</a:t>
             </a:fld>
             <a:endParaRPr lang="en-US" dirty="0"/>
           </a:p>
@@ -2974,7 +2974,7 @@
           <a:p>
             <a:fld id="{42A54C80-263E-416B-A8E0-580EDEADCBDC}" type="datetimeFigureOut">
               <a:rPr lang="en-US" dirty="0"/>
-              <a:t>12/2/2023</a:t>
+              <a:t>12/3/2023</a:t>
             </a:fld>
             <a:endParaRPr lang="en-US" dirty="0"/>
           </a:p>
@@ -3217,7 +3217,7 @@
             <a:fld id="{B61BEF0D-F0BB-DE4B-95CE-6DB70DBA9567}" type="datetimeFigureOut">
               <a:rPr lang="en-US" dirty="0"/>
               <a:pPr/>
-              <a:t>12/2/2023</a:t>
+              <a:t>12/3/2023</a:t>
             </a:fld>
             <a:endParaRPr lang="en-US" dirty="0"/>
           </a:p>
@@ -3445,7 +3445,7 @@
           <a:p>
             <a:fld id="{42A54C80-263E-416B-A8E0-580EDEADCBDC}" type="datetimeFigureOut">
               <a:rPr lang="en-US" dirty="0"/>
-              <a:t>12/2/2023</a:t>
+              <a:t>12/3/2023</a:t>
             </a:fld>
             <a:endParaRPr lang="en-US" dirty="0"/>
           </a:p>
@@ -3815,7 +3815,7 @@
             <a:fld id="{B61BEF0D-F0BB-DE4B-95CE-6DB70DBA9567}" type="datetimeFigureOut">
               <a:rPr lang="en-US" dirty="0"/>
               <a:pPr/>
-              <a:t>12/2/2023</a:t>
+              <a:t>12/3/2023</a:t>
             </a:fld>
             <a:endParaRPr lang="en-US" dirty="0"/>
           </a:p>
@@ -3935,7 +3935,7 @@
             <a:fld id="{B61BEF0D-F0BB-DE4B-95CE-6DB70DBA9567}" type="datetimeFigureOut">
               <a:rPr lang="en-US" dirty="0"/>
               <a:pPr/>
-              <a:t>12/2/2023</a:t>
+              <a:t>12/3/2023</a:t>
             </a:fld>
             <a:endParaRPr lang="en-US" dirty="0"/>
           </a:p>
@@ -4027,7 +4027,7 @@
             <a:fld id="{B61BEF0D-F0BB-DE4B-95CE-6DB70DBA9567}" type="datetimeFigureOut">
               <a:rPr lang="en-US" dirty="0"/>
               <a:pPr/>
-              <a:t>12/2/2023</a:t>
+              <a:t>12/3/2023</a:t>
             </a:fld>
             <a:endParaRPr lang="en-US" dirty="0"/>
           </a:p>
@@ -4278,7 +4278,7 @@
           <a:p>
             <a:fld id="{42A54C80-263E-416B-A8E0-580EDEADCBDC}" type="datetimeFigureOut">
               <a:rPr lang="en-US" dirty="0"/>
-              <a:t>12/2/2023</a:t>
+              <a:t>12/3/2023</a:t>
             </a:fld>
             <a:endParaRPr lang="en-US" dirty="0"/>
           </a:p>
@@ -4580,7 +4580,7 @@
             <a:fld id="{B61BEF0D-F0BB-DE4B-95CE-6DB70DBA9567}" type="datetimeFigureOut">
               <a:rPr lang="en-US" dirty="0"/>
               <a:pPr/>
-              <a:t>12/2/2023</a:t>
+              <a:t>12/3/2023</a:t>
             </a:fld>
             <a:endParaRPr lang="en-US" dirty="0"/>
           </a:p>
@@ -5278,7 +5278,7 @@
             <a:fld id="{B61BEF0D-F0BB-DE4B-95CE-6DB70DBA9567}" type="datetimeFigureOut">
               <a:rPr lang="en-US" dirty="0"/>
               <a:pPr/>
-              <a:t>12/2/2023</a:t>
+              <a:t>12/3/2023</a:t>
             </a:fld>
             <a:endParaRPr lang="en-US" dirty="0"/>
           </a:p>
@@ -6173,7 +6173,20 @@
                 <a:effectLst/>
                 <a:latin typeface="Trebuchet MS" panose="020B0603020202020204" pitchFamily="34" charset="0"/>
               </a:rPr>
-              <a:t>Общая задача: создать ETL-процесс формирования витрин данных для анализа изменений курса</a:t>
+              <a:t>Общая задача: создать ETL-процесс формирования витрин данных для анализа изменений </a:t>
+            </a:r>
+            <a:r>
+              <a:rPr kumimoji="0" lang="ru-RU" altLang="ru-RU" sz="1300" b="1" u="none" strike="noStrike" cap="none" normalizeH="0">
+                <a:ln>
+                  <a:noFill/>
+                </a:ln>
+                <a:solidFill>
+                  <a:srgbClr val="172B4D"/>
+                </a:solidFill>
+                <a:effectLst/>
+                <a:latin typeface="Trebuchet MS" panose="020B0603020202020204" pitchFamily="34" charset="0"/>
+              </a:rPr>
+              <a:t>курса акций</a:t>
             </a:r>
             <a:endParaRPr kumimoji="0" lang="en-US" altLang="ru-RU" sz="1300" b="1" u="none" strike="noStrike" cap="none" normalizeH="0" dirty="0">
               <a:ln>
